--- a/Finally/Document/E- Administration.pptx
+++ b/Finally/Document/E- Administration.pptx
@@ -6304,7 +6304,7 @@
         </p:blipFill>
         <p:spPr bwMode="auto">
           <a:xfrm>
-            <a:off x="5929322" y="714356"/>
+            <a:off x="6000760" y="785794"/>
             <a:ext cx="1507956" cy="714380"/>
           </a:xfrm>
           <a:prstGeom prst="rect">
@@ -6352,38 +6352,6 @@
           <a:effectLst/>
         </p:spPr>
       </p:pic>
-      <p:pic>
-        <p:nvPicPr>
-          <p:cNvPr id="2058" name="Picture 3" descr="Aptech"/>
-          <p:cNvPicPr>
-            <a:picLocks noChangeAspect="1" noChangeArrowheads="1"/>
-          </p:cNvPicPr>
-          <p:nvPr/>
-        </p:nvPicPr>
-        <p:blipFill>
-          <a:blip r:embed="rId4" cstate="print"/>
-          <a:srcRect/>
-          <a:stretch>
-            <a:fillRect/>
-          </a:stretch>
-        </p:blipFill>
-        <p:spPr bwMode="auto">
-          <a:xfrm>
-            <a:off x="7429520" y="714356"/>
-            <a:ext cx="1357322" cy="604075"/>
-          </a:xfrm>
-          <a:prstGeom prst="rect">
-            <a:avLst/>
-          </a:prstGeom>
-          <a:noFill/>
-          <a:ln w="9525">
-            <a:noFill/>
-            <a:miter lim="800000"/>
-            <a:headEnd/>
-            <a:tailEnd/>
-          </a:ln>
-        </p:spPr>
-      </p:pic>
       <p:sp>
         <p:nvSpPr>
           <p:cNvPr id="10" name="Rectangle 2"/>
@@ -6618,6 +6586,32 @@
           </a:p>
         </p:txBody>
       </p:sp>
+      <p:pic>
+        <p:nvPicPr>
+          <p:cNvPr id="1026" name="Picture 2" descr="C:\Users\dell\Downloads\aptech-education_logo.gif"/>
+          <p:cNvPicPr>
+            <a:picLocks noChangeAspect="1" noChangeArrowheads="1"/>
+          </p:cNvPicPr>
+          <p:nvPr/>
+        </p:nvPicPr>
+        <p:blipFill>
+          <a:blip r:embed="rId4"/>
+          <a:srcRect/>
+          <a:stretch>
+            <a:fillRect/>
+          </a:stretch>
+        </p:blipFill>
+        <p:spPr bwMode="auto">
+          <a:xfrm>
+            <a:off x="7429520" y="785794"/>
+            <a:ext cx="1381125" cy="657225"/>
+          </a:xfrm>
+          <a:prstGeom prst="rect">
+            <a:avLst/>
+          </a:prstGeom>
+          <a:noFill/>
+        </p:spPr>
+      </p:pic>
     </p:spTree>
   </p:cSld>
   <p:clrMapOvr>
